--- a/figs/Fig_Results_DoubleWell.pptx
+++ b/figs/Fig_Results_DoubleWell.pptx
@@ -243,7 +243,7 @@
           <a:p>
             <a:fld id="{2DF69B4B-5AE9-AC4D-9EFA-9FD7F0F1516D}" type="datetimeFigureOut">
               <a:rPr lang="de-DE" smtClean="0"/>
-              <a:t>18.10.18</a:t>
+              <a:t>21.10.18</a:t>
             </a:fld>
             <a:endParaRPr lang="de-DE"/>
           </a:p>
@@ -413,7 +413,7 @@
           <a:p>
             <a:fld id="{2DF69B4B-5AE9-AC4D-9EFA-9FD7F0F1516D}" type="datetimeFigureOut">
               <a:rPr lang="de-DE" smtClean="0"/>
-              <a:t>18.10.18</a:t>
+              <a:t>21.10.18</a:t>
             </a:fld>
             <a:endParaRPr lang="de-DE"/>
           </a:p>
@@ -593,7 +593,7 @@
           <a:p>
             <a:fld id="{2DF69B4B-5AE9-AC4D-9EFA-9FD7F0F1516D}" type="datetimeFigureOut">
               <a:rPr lang="de-DE" smtClean="0"/>
-              <a:t>18.10.18</a:t>
+              <a:t>21.10.18</a:t>
             </a:fld>
             <a:endParaRPr lang="de-DE"/>
           </a:p>
@@ -763,7 +763,7 @@
           <a:p>
             <a:fld id="{2DF69B4B-5AE9-AC4D-9EFA-9FD7F0F1516D}" type="datetimeFigureOut">
               <a:rPr lang="de-DE" smtClean="0"/>
-              <a:t>18.10.18</a:t>
+              <a:t>21.10.18</a:t>
             </a:fld>
             <a:endParaRPr lang="de-DE"/>
           </a:p>
@@ -1007,7 +1007,7 @@
           <a:p>
             <a:fld id="{2DF69B4B-5AE9-AC4D-9EFA-9FD7F0F1516D}" type="datetimeFigureOut">
               <a:rPr lang="de-DE" smtClean="0"/>
-              <a:t>18.10.18</a:t>
+              <a:t>21.10.18</a:t>
             </a:fld>
             <a:endParaRPr lang="de-DE"/>
           </a:p>
@@ -1239,7 +1239,7 @@
           <a:p>
             <a:fld id="{2DF69B4B-5AE9-AC4D-9EFA-9FD7F0F1516D}" type="datetimeFigureOut">
               <a:rPr lang="de-DE" smtClean="0"/>
-              <a:t>18.10.18</a:t>
+              <a:t>21.10.18</a:t>
             </a:fld>
             <a:endParaRPr lang="de-DE"/>
           </a:p>
@@ -1606,7 +1606,7 @@
           <a:p>
             <a:fld id="{2DF69B4B-5AE9-AC4D-9EFA-9FD7F0F1516D}" type="datetimeFigureOut">
               <a:rPr lang="de-DE" smtClean="0"/>
-              <a:t>18.10.18</a:t>
+              <a:t>21.10.18</a:t>
             </a:fld>
             <a:endParaRPr lang="de-DE"/>
           </a:p>
@@ -1724,7 +1724,7 @@
           <a:p>
             <a:fld id="{2DF69B4B-5AE9-AC4D-9EFA-9FD7F0F1516D}" type="datetimeFigureOut">
               <a:rPr lang="de-DE" smtClean="0"/>
-              <a:t>18.10.18</a:t>
+              <a:t>21.10.18</a:t>
             </a:fld>
             <a:endParaRPr lang="de-DE"/>
           </a:p>
@@ -1819,7 +1819,7 @@
           <a:p>
             <a:fld id="{2DF69B4B-5AE9-AC4D-9EFA-9FD7F0F1516D}" type="datetimeFigureOut">
               <a:rPr lang="de-DE" smtClean="0"/>
-              <a:t>18.10.18</a:t>
+              <a:t>21.10.18</a:t>
             </a:fld>
             <a:endParaRPr lang="de-DE"/>
           </a:p>
@@ -2096,7 +2096,7 @@
           <a:p>
             <a:fld id="{2DF69B4B-5AE9-AC4D-9EFA-9FD7F0F1516D}" type="datetimeFigureOut">
               <a:rPr lang="de-DE" smtClean="0"/>
-              <a:t>18.10.18</a:t>
+              <a:t>21.10.18</a:t>
             </a:fld>
             <a:endParaRPr lang="de-DE"/>
           </a:p>
@@ -2353,7 +2353,7 @@
           <a:p>
             <a:fld id="{2DF69B4B-5AE9-AC4D-9EFA-9FD7F0F1516D}" type="datetimeFigureOut">
               <a:rPr lang="de-DE" smtClean="0"/>
-              <a:t>18.10.18</a:t>
+              <a:t>21.10.18</a:t>
             </a:fld>
             <a:endParaRPr lang="de-DE"/>
           </a:p>
@@ -2566,7 +2566,7 @@
           <a:p>
             <a:fld id="{2DF69B4B-5AE9-AC4D-9EFA-9FD7F0F1516D}" type="datetimeFigureOut">
               <a:rPr lang="de-DE" smtClean="0"/>
-              <a:t>18.10.18</a:t>
+              <a:t>21.10.18</a:t>
             </a:fld>
             <a:endParaRPr lang="de-DE"/>
           </a:p>
@@ -2973,10 +2973,10 @@
       </p:grpSpPr>
       <p:pic>
         <p:nvPicPr>
-          <p:cNvPr id="64" name="Picture 63">
+          <p:cNvPr id="30" name="Picture 29">
             <a:extLst>
               <a:ext uri="{FF2B5EF4-FFF2-40B4-BE49-F238E27FC236}">
-                <a16:creationId xmlns:a16="http://schemas.microsoft.com/office/drawing/2014/main" id="{2AE7E6FE-BFB0-DA4B-92EB-D1F76DC6C6A7}"/>
+                <a16:creationId xmlns:a16="http://schemas.microsoft.com/office/drawing/2014/main" id="{5F3C21E8-1D7D-0A48-A939-0E84833D9050}"/>
               </a:ext>
             </a:extLst>
           </p:cNvPr>
@@ -2999,8 +2999,8 @@
         </p:blipFill>
         <p:spPr>
           <a:xfrm>
-            <a:off x="-5407" y="5051"/>
-            <a:ext cx="1694187" cy="1585038"/>
+            <a:off x="-5407" y="46548"/>
+            <a:ext cx="2080747" cy="1501570"/>
           </a:xfrm>
           <a:prstGeom prst="rect">
             <a:avLst/>
@@ -3035,8 +3035,8 @@
         </p:blipFill>
         <p:spPr>
           <a:xfrm>
-            <a:off x="1688780" y="9599"/>
-            <a:ext cx="3509405" cy="1552884"/>
+            <a:off x="1896601" y="30381"/>
+            <a:ext cx="3395436" cy="1502453"/>
           </a:xfrm>
           <a:prstGeom prst="rect">
             <a:avLst/>
@@ -3087,7 +3087,7 @@
         </p:nvSpPr>
         <p:spPr>
           <a:xfrm>
-            <a:off x="26510" y="18907"/>
+            <a:off x="-35836" y="18907"/>
             <a:ext cx="311304" cy="400110"/>
           </a:xfrm>
           <a:prstGeom prst="rect">
@@ -3123,7 +3123,7 @@
         </p:nvSpPr>
         <p:spPr>
           <a:xfrm>
-            <a:off x="1622058" y="6157"/>
+            <a:off x="1871442" y="6157"/>
             <a:ext cx="322524" cy="400110"/>
           </a:xfrm>
           <a:prstGeom prst="rect">
@@ -3349,7 +3349,7 @@
         </p:nvSpPr>
         <p:spPr>
           <a:xfrm>
-            <a:off x="1591" y="1563223"/>
+            <a:off x="-29582" y="1563223"/>
             <a:ext cx="292068" cy="400110"/>
           </a:xfrm>
           <a:prstGeom prst="rect">
@@ -3924,6 +3924,82 @@
               <a:t>reweight</a:t>
             </a:r>
             <a:endParaRPr lang="de-DE" sz="1200" baseline="-25000" dirty="0"/>
+          </a:p>
+        </p:txBody>
+      </p:sp>
+      <p:sp>
+        <p:nvSpPr>
+          <p:cNvPr id="4" name="TextBox 3">
+            <a:extLst>
+              <a:ext uri="{FF2B5EF4-FFF2-40B4-BE49-F238E27FC236}">
+                <a16:creationId xmlns:a16="http://schemas.microsoft.com/office/drawing/2014/main" id="{8DF89B70-D60F-2343-A4C2-FBF8B17EC1CC}"/>
+              </a:ext>
+            </a:extLst>
+          </p:cNvPr>
+          <p:cNvSpPr txBox="1"/>
+          <p:nvPr/>
+        </p:nvSpPr>
+        <p:spPr>
+          <a:xfrm>
+            <a:off x="327390" y="4771709"/>
+            <a:ext cx="1401346" cy="246221"/>
+          </a:xfrm>
+          <a:prstGeom prst="rect">
+            <a:avLst/>
+          </a:prstGeom>
+          <a:noFill/>
+        </p:spPr>
+        <p:txBody>
+          <a:bodyPr wrap="none" rtlCol="0">
+            <a:spAutoFit/>
+          </a:bodyPr>
+          <a:lstStyle/>
+          <a:p>
+            <a:r>
+              <a:rPr lang="de-DE" sz="1000" dirty="0"/>
+              <a:t>non-volume-</a:t>
+            </a:r>
+            <a:r>
+              <a:rPr lang="de-DE" sz="1000" dirty="0" err="1"/>
+              <a:t>preserving</a:t>
+            </a:r>
+            <a:endParaRPr lang="de-DE" sz="1000" dirty="0"/>
+          </a:p>
+        </p:txBody>
+      </p:sp>
+      <p:sp>
+        <p:nvSpPr>
+          <p:cNvPr id="32" name="TextBox 31">
+            <a:extLst>
+              <a:ext uri="{FF2B5EF4-FFF2-40B4-BE49-F238E27FC236}">
+                <a16:creationId xmlns:a16="http://schemas.microsoft.com/office/drawing/2014/main" id="{D9069381-2478-3D46-9BE9-A15AD500190C}"/>
+              </a:ext>
+            </a:extLst>
+          </p:cNvPr>
+          <p:cNvSpPr txBox="1"/>
+          <p:nvPr/>
+        </p:nvSpPr>
+        <p:spPr>
+          <a:xfrm>
+            <a:off x="2307973" y="4771709"/>
+            <a:ext cx="1160895" cy="246221"/>
+          </a:xfrm>
+          <a:prstGeom prst="rect">
+            <a:avLst/>
+          </a:prstGeom>
+          <a:noFill/>
+        </p:spPr>
+        <p:txBody>
+          <a:bodyPr wrap="none" rtlCol="0">
+            <a:spAutoFit/>
+          </a:bodyPr>
+          <a:lstStyle/>
+          <a:p>
+            <a:r>
+              <a:rPr lang="de-DE" sz="1000" dirty="0" err="1"/>
+              <a:t>volume-preserving</a:t>
+            </a:r>
+            <a:endParaRPr lang="de-DE" sz="1000" dirty="0"/>
           </a:p>
         </p:txBody>
       </p:sp>

--- a/figs/Fig_Results_DoubleWell.pptx
+++ b/figs/Fig_Results_DoubleWell.pptx
@@ -243,7 +243,7 @@
           <a:p>
             <a:fld id="{2DF69B4B-5AE9-AC4D-9EFA-9FD7F0F1516D}" type="datetimeFigureOut">
               <a:rPr lang="de-DE" smtClean="0"/>
-              <a:t>21.10.18</a:t>
+              <a:t>03.11.18</a:t>
             </a:fld>
             <a:endParaRPr lang="de-DE"/>
           </a:p>
@@ -413,7 +413,7 @@
           <a:p>
             <a:fld id="{2DF69B4B-5AE9-AC4D-9EFA-9FD7F0F1516D}" type="datetimeFigureOut">
               <a:rPr lang="de-DE" smtClean="0"/>
-              <a:t>21.10.18</a:t>
+              <a:t>03.11.18</a:t>
             </a:fld>
             <a:endParaRPr lang="de-DE"/>
           </a:p>
@@ -593,7 +593,7 @@
           <a:p>
             <a:fld id="{2DF69B4B-5AE9-AC4D-9EFA-9FD7F0F1516D}" type="datetimeFigureOut">
               <a:rPr lang="de-DE" smtClean="0"/>
-              <a:t>21.10.18</a:t>
+              <a:t>03.11.18</a:t>
             </a:fld>
             <a:endParaRPr lang="de-DE"/>
           </a:p>
@@ -763,7 +763,7 @@
           <a:p>
             <a:fld id="{2DF69B4B-5AE9-AC4D-9EFA-9FD7F0F1516D}" type="datetimeFigureOut">
               <a:rPr lang="de-DE" smtClean="0"/>
-              <a:t>21.10.18</a:t>
+              <a:t>03.11.18</a:t>
             </a:fld>
             <a:endParaRPr lang="de-DE"/>
           </a:p>
@@ -1007,7 +1007,7 @@
           <a:p>
             <a:fld id="{2DF69B4B-5AE9-AC4D-9EFA-9FD7F0F1516D}" type="datetimeFigureOut">
               <a:rPr lang="de-DE" smtClean="0"/>
-              <a:t>21.10.18</a:t>
+              <a:t>03.11.18</a:t>
             </a:fld>
             <a:endParaRPr lang="de-DE"/>
           </a:p>
@@ -1239,7 +1239,7 @@
           <a:p>
             <a:fld id="{2DF69B4B-5AE9-AC4D-9EFA-9FD7F0F1516D}" type="datetimeFigureOut">
               <a:rPr lang="de-DE" smtClean="0"/>
-              <a:t>21.10.18</a:t>
+              <a:t>03.11.18</a:t>
             </a:fld>
             <a:endParaRPr lang="de-DE"/>
           </a:p>
@@ -1606,7 +1606,7 @@
           <a:p>
             <a:fld id="{2DF69B4B-5AE9-AC4D-9EFA-9FD7F0F1516D}" type="datetimeFigureOut">
               <a:rPr lang="de-DE" smtClean="0"/>
-              <a:t>21.10.18</a:t>
+              <a:t>03.11.18</a:t>
             </a:fld>
             <a:endParaRPr lang="de-DE"/>
           </a:p>
@@ -1724,7 +1724,7 @@
           <a:p>
             <a:fld id="{2DF69B4B-5AE9-AC4D-9EFA-9FD7F0F1516D}" type="datetimeFigureOut">
               <a:rPr lang="de-DE" smtClean="0"/>
-              <a:t>21.10.18</a:t>
+              <a:t>03.11.18</a:t>
             </a:fld>
             <a:endParaRPr lang="de-DE"/>
           </a:p>
@@ -1819,7 +1819,7 @@
           <a:p>
             <a:fld id="{2DF69B4B-5AE9-AC4D-9EFA-9FD7F0F1516D}" type="datetimeFigureOut">
               <a:rPr lang="de-DE" smtClean="0"/>
-              <a:t>21.10.18</a:t>
+              <a:t>03.11.18</a:t>
             </a:fld>
             <a:endParaRPr lang="de-DE"/>
           </a:p>
@@ -2096,7 +2096,7 @@
           <a:p>
             <a:fld id="{2DF69B4B-5AE9-AC4D-9EFA-9FD7F0F1516D}" type="datetimeFigureOut">
               <a:rPr lang="de-DE" smtClean="0"/>
-              <a:t>21.10.18</a:t>
+              <a:t>03.11.18</a:t>
             </a:fld>
             <a:endParaRPr lang="de-DE"/>
           </a:p>
@@ -2353,7 +2353,7 @@
           <a:p>
             <a:fld id="{2DF69B4B-5AE9-AC4D-9EFA-9FD7F0F1516D}" type="datetimeFigureOut">
               <a:rPr lang="de-DE" smtClean="0"/>
-              <a:t>21.10.18</a:t>
+              <a:t>03.11.18</a:t>
             </a:fld>
             <a:endParaRPr lang="de-DE"/>
           </a:p>
@@ -2566,7 +2566,7 @@
           <a:p>
             <a:fld id="{2DF69B4B-5AE9-AC4D-9EFA-9FD7F0F1516D}" type="datetimeFigureOut">
               <a:rPr lang="de-DE" smtClean="0"/>
-              <a:t>21.10.18</a:t>
+              <a:t>03.11.18</a:t>
             </a:fld>
             <a:endParaRPr lang="de-DE"/>
           </a:p>
@@ -2973,10 +2973,10 @@
       </p:grpSpPr>
       <p:pic>
         <p:nvPicPr>
-          <p:cNvPr id="30" name="Picture 29">
+          <p:cNvPr id="92" name="Picture 91">
             <a:extLst>
               <a:ext uri="{FF2B5EF4-FFF2-40B4-BE49-F238E27FC236}">
-                <a16:creationId xmlns:a16="http://schemas.microsoft.com/office/drawing/2014/main" id="{5F3C21E8-1D7D-0A48-A939-0E84833D9050}"/>
+                <a16:creationId xmlns:a16="http://schemas.microsoft.com/office/drawing/2014/main" id="{04D51562-0708-B145-80DB-E8E18AB95953}"/>
               </a:ext>
             </a:extLst>
           </p:cNvPr>
@@ -2999,8 +2999,8 @@
         </p:blipFill>
         <p:spPr>
           <a:xfrm>
-            <a:off x="-5407" y="46548"/>
-            <a:ext cx="2080747" cy="1501570"/>
+            <a:off x="3373075" y="1606449"/>
+            <a:ext cx="1871889" cy="1722636"/>
           </a:xfrm>
           <a:prstGeom prst="rect">
             <a:avLst/>
@@ -3009,10 +3009,10 @@
       </p:pic>
       <p:pic>
         <p:nvPicPr>
-          <p:cNvPr id="65" name="Picture 64">
+          <p:cNvPr id="93" name="Picture 92">
             <a:extLst>
               <a:ext uri="{FF2B5EF4-FFF2-40B4-BE49-F238E27FC236}">
-                <a16:creationId xmlns:a16="http://schemas.microsoft.com/office/drawing/2014/main" id="{597A04FB-13B8-5145-A8C1-EEF6A7893C28}"/>
+                <a16:creationId xmlns:a16="http://schemas.microsoft.com/office/drawing/2014/main" id="{9F1ACAE6-F033-B043-AF31-3565AFF40966}"/>
               </a:ext>
             </a:extLst>
           </p:cNvPr>
@@ -3035,8 +3035,8 @@
         </p:blipFill>
         <p:spPr>
           <a:xfrm>
-            <a:off x="1896601" y="30381"/>
-            <a:ext cx="3395436" cy="1502453"/>
+            <a:off x="3371165" y="3586888"/>
+            <a:ext cx="1871889" cy="1722636"/>
           </a:xfrm>
           <a:prstGeom prst="rect">
             <a:avLst/>
@@ -3045,10 +3045,10 @@
       </p:pic>
       <p:pic>
         <p:nvPicPr>
-          <p:cNvPr id="66" name="Picture 65">
+          <p:cNvPr id="6" name="Picture 5">
             <a:extLst>
               <a:ext uri="{FF2B5EF4-FFF2-40B4-BE49-F238E27FC236}">
-                <a16:creationId xmlns:a16="http://schemas.microsoft.com/office/drawing/2014/main" id="{19496A47-7AA2-404A-B66C-BA5DDB2FB289}"/>
+                <a16:creationId xmlns:a16="http://schemas.microsoft.com/office/drawing/2014/main" id="{498213C1-C5CA-9D45-913C-DDA2182E2B3C}"/>
               </a:ext>
             </a:extLst>
           </p:cNvPr>
@@ -3058,15 +3058,177 @@
           <p:nvPr/>
         </p:nvPicPr>
         <p:blipFill>
-          <a:blip r:embed="rId4"/>
+          <a:blip r:embed="rId4">
+            <a:clrChange>
+              <a:clrFrom>
+                <a:srgbClr val="000000">
+                  <a:alpha val="0"/>
+                </a:srgbClr>
+              </a:clrFrom>
+              <a:clrTo>
+                <a:srgbClr val="000000">
+                  <a:alpha val="0"/>
+                </a:srgbClr>
+              </a:clrTo>
+            </a:clrChange>
+            <a:extLst>
+              <a:ext uri="{28A0092B-C50C-407E-A947-70E740481C1C}">
+                <a14:useLocalDpi xmlns:a14="http://schemas.microsoft.com/office/drawing/2010/main" val="0"/>
+              </a:ext>
+            </a:extLst>
+          </a:blip>
           <a:stretch>
             <a:fillRect/>
           </a:stretch>
         </p:blipFill>
         <p:spPr>
           <a:xfrm>
-            <a:off x="21469" y="1595979"/>
-            <a:ext cx="1761851" cy="1658213"/>
+            <a:off x="1462" y="0"/>
+            <a:ext cx="2034613" cy="1609298"/>
+          </a:xfrm>
+          <a:prstGeom prst="rect">
+            <a:avLst/>
+          </a:prstGeom>
+        </p:spPr>
+      </p:pic>
+      <p:pic>
+        <p:nvPicPr>
+          <p:cNvPr id="22" name="Picture 21">
+            <a:extLst>
+              <a:ext uri="{FF2B5EF4-FFF2-40B4-BE49-F238E27FC236}">
+                <a16:creationId xmlns:a16="http://schemas.microsoft.com/office/drawing/2014/main" id="{53476387-0D46-394B-9AF3-AA73F7506770}"/>
+              </a:ext>
+            </a:extLst>
+          </p:cNvPr>
+          <p:cNvPicPr>
+            <a:picLocks noChangeAspect="1"/>
+          </p:cNvPicPr>
+          <p:nvPr/>
+        </p:nvPicPr>
+        <p:blipFill>
+          <a:blip r:embed="rId5">
+            <a:extLst>
+              <a:ext uri="{28A0092B-C50C-407E-A947-70E740481C1C}">
+                <a14:useLocalDpi xmlns:a14="http://schemas.microsoft.com/office/drawing/2010/main" val="0"/>
+              </a:ext>
+            </a:extLst>
+          </a:blip>
+          <a:stretch>
+            <a:fillRect/>
+          </a:stretch>
+        </p:blipFill>
+        <p:spPr>
+          <a:xfrm>
+            <a:off x="1563722" y="3560857"/>
+            <a:ext cx="1839685" cy="1758061"/>
+          </a:xfrm>
+          <a:prstGeom prst="rect">
+            <a:avLst/>
+          </a:prstGeom>
+        </p:spPr>
+      </p:pic>
+      <p:pic>
+        <p:nvPicPr>
+          <p:cNvPr id="24" name="Picture 23">
+            <a:extLst>
+              <a:ext uri="{FF2B5EF4-FFF2-40B4-BE49-F238E27FC236}">
+                <a16:creationId xmlns:a16="http://schemas.microsoft.com/office/drawing/2014/main" id="{4F1D5AA1-A30D-FD40-853D-5C54258C8077}"/>
+              </a:ext>
+            </a:extLst>
+          </p:cNvPr>
+          <p:cNvPicPr>
+            <a:picLocks noChangeAspect="1"/>
+          </p:cNvPicPr>
+          <p:nvPr/>
+        </p:nvPicPr>
+        <p:blipFill>
+          <a:blip r:embed="rId6">
+            <a:extLst>
+              <a:ext uri="{28A0092B-C50C-407E-A947-70E740481C1C}">
+                <a14:useLocalDpi xmlns:a14="http://schemas.microsoft.com/office/drawing/2010/main" val="0"/>
+              </a:ext>
+            </a:extLst>
+          </a:blip>
+          <a:stretch>
+            <a:fillRect/>
+          </a:stretch>
+        </p:blipFill>
+        <p:spPr>
+          <a:xfrm>
+            <a:off x="-32267" y="3555155"/>
+            <a:ext cx="1839685" cy="1758061"/>
+          </a:xfrm>
+          <a:prstGeom prst="rect">
+            <a:avLst/>
+          </a:prstGeom>
+        </p:spPr>
+      </p:pic>
+      <p:pic>
+        <p:nvPicPr>
+          <p:cNvPr id="51" name="Picture 50">
+            <a:extLst>
+              <a:ext uri="{FF2B5EF4-FFF2-40B4-BE49-F238E27FC236}">
+                <a16:creationId xmlns:a16="http://schemas.microsoft.com/office/drawing/2014/main" id="{F1B6CA32-2ECD-CE4F-97BC-87AE0A5D01BD}"/>
+              </a:ext>
+            </a:extLst>
+          </p:cNvPr>
+          <p:cNvPicPr>
+            <a:picLocks noChangeAspect="1"/>
+          </p:cNvPicPr>
+          <p:nvPr/>
+        </p:nvPicPr>
+        <p:blipFill>
+          <a:blip r:embed="rId7">
+            <a:extLst>
+              <a:ext uri="{28A0092B-C50C-407E-A947-70E740481C1C}">
+                <a14:useLocalDpi xmlns:a14="http://schemas.microsoft.com/office/drawing/2010/main" val="0"/>
+              </a:ext>
+            </a:extLst>
+          </a:blip>
+          <a:stretch>
+            <a:fillRect/>
+          </a:stretch>
+        </p:blipFill>
+        <p:spPr>
+          <a:xfrm>
+            <a:off x="767199" y="1570252"/>
+            <a:ext cx="1808412" cy="1740053"/>
+          </a:xfrm>
+          <a:prstGeom prst="rect">
+            <a:avLst/>
+          </a:prstGeom>
+        </p:spPr>
+      </p:pic>
+      <p:pic>
+        <p:nvPicPr>
+          <p:cNvPr id="10" name="Picture 9">
+            <a:extLst>
+              <a:ext uri="{FF2B5EF4-FFF2-40B4-BE49-F238E27FC236}">
+                <a16:creationId xmlns:a16="http://schemas.microsoft.com/office/drawing/2014/main" id="{E7C56E77-F913-A646-9DAE-389A34DD7BD1}"/>
+              </a:ext>
+            </a:extLst>
+          </p:cNvPr>
+          <p:cNvPicPr>
+            <a:picLocks noChangeAspect="1"/>
+          </p:cNvPicPr>
+          <p:nvPr/>
+        </p:nvPicPr>
+        <p:blipFill>
+          <a:blip r:embed="rId8">
+            <a:extLst>
+              <a:ext uri="{28A0092B-C50C-407E-A947-70E740481C1C}">
+                <a14:useLocalDpi xmlns:a14="http://schemas.microsoft.com/office/drawing/2010/main" val="0"/>
+              </a:ext>
+            </a:extLst>
+          </a:blip>
+          <a:stretch>
+            <a:fillRect/>
+          </a:stretch>
+        </p:blipFill>
+        <p:spPr>
+          <a:xfrm>
+            <a:off x="2070227" y="0"/>
+            <a:ext cx="3179816" cy="1545279"/>
           </a:xfrm>
           <a:prstGeom prst="rect">
             <a:avLst/>
@@ -3088,7 +3250,7 @@
         <p:spPr>
           <a:xfrm>
             <a:off x="-35836" y="18907"/>
-            <a:ext cx="311304" cy="400110"/>
+            <a:ext cx="298480" cy="369332"/>
           </a:xfrm>
           <a:prstGeom prst="rect">
             <a:avLst/>
@@ -3102,10 +3264,10 @@
           <a:lstStyle/>
           <a:p>
             <a:r>
-              <a:rPr lang="de-DE" sz="2000" b="1" dirty="0"/>
+              <a:rPr lang="de-DE" sz="1800" b="1" dirty="0"/>
               <a:t>a</a:t>
             </a:r>
-            <a:endParaRPr lang="de-DE" sz="2000" b="1" baseline="-25000" dirty="0"/>
+            <a:endParaRPr lang="de-DE" sz="1800" b="1" baseline="-25000" dirty="0"/>
           </a:p>
         </p:txBody>
       </p:sp>
@@ -3123,8 +3285,8 @@
         </p:nvSpPr>
         <p:spPr>
           <a:xfrm>
-            <a:off x="1871442" y="6157"/>
-            <a:ext cx="322524" cy="400110"/>
+            <a:off x="1978231" y="6157"/>
+            <a:ext cx="308098" cy="369332"/>
           </a:xfrm>
           <a:prstGeom prst="rect">
             <a:avLst/>
@@ -3138,133 +3300,13 @@
           <a:lstStyle/>
           <a:p>
             <a:r>
-              <a:rPr lang="de-DE" sz="2000" b="1" dirty="0"/>
+              <a:rPr lang="de-DE" sz="1800" b="1" dirty="0"/>
               <a:t>b</a:t>
             </a:r>
-            <a:endParaRPr lang="de-DE" sz="2000" b="1" baseline="-25000" dirty="0"/>
-          </a:p>
-        </p:txBody>
-      </p:sp>
-      <p:pic>
-        <p:nvPicPr>
-          <p:cNvPr id="69" name="Picture 68">
-            <a:extLst>
-              <a:ext uri="{FF2B5EF4-FFF2-40B4-BE49-F238E27FC236}">
-                <a16:creationId xmlns:a16="http://schemas.microsoft.com/office/drawing/2014/main" id="{C656B30A-2DA0-2C4C-8B4D-546232F5C20F}"/>
-              </a:ext>
-            </a:extLst>
-          </p:cNvPr>
-          <p:cNvPicPr>
-            <a:picLocks noChangeAspect="1"/>
-          </p:cNvPicPr>
-          <p:nvPr/>
-        </p:nvPicPr>
-        <p:blipFill>
-          <a:blip r:embed="rId5"/>
-          <a:stretch>
-            <a:fillRect/>
-          </a:stretch>
-        </p:blipFill>
-        <p:spPr>
-          <a:xfrm>
-            <a:off x="1804269" y="3617301"/>
-            <a:ext cx="1885466" cy="1724512"/>
-          </a:xfrm>
-          <a:prstGeom prst="rect">
-            <a:avLst/>
-          </a:prstGeom>
-        </p:spPr>
-      </p:pic>
-      <p:pic>
-        <p:nvPicPr>
-          <p:cNvPr id="70" name="Picture 69">
-            <a:extLst>
-              <a:ext uri="{FF2B5EF4-FFF2-40B4-BE49-F238E27FC236}">
-                <a16:creationId xmlns:a16="http://schemas.microsoft.com/office/drawing/2014/main" id="{AAC96357-BF91-F345-9E01-E39A795B0526}"/>
-              </a:ext>
-            </a:extLst>
-          </p:cNvPr>
-          <p:cNvPicPr>
-            <a:picLocks noChangeAspect="1"/>
-          </p:cNvPicPr>
-          <p:nvPr/>
-        </p:nvPicPr>
-        <p:blipFill>
-          <a:blip r:embed="rId6"/>
-          <a:stretch>
-            <a:fillRect/>
-          </a:stretch>
-        </p:blipFill>
-        <p:spPr>
-          <a:xfrm>
-            <a:off x="3603319" y="3631324"/>
-            <a:ext cx="1650098" cy="1566723"/>
-          </a:xfrm>
-          <a:prstGeom prst="rect">
-            <a:avLst/>
-          </a:prstGeom>
-        </p:spPr>
-      </p:pic>
-      <p:pic>
-        <p:nvPicPr>
-          <p:cNvPr id="71" name="Picture 70">
-            <a:extLst>
-              <a:ext uri="{FF2B5EF4-FFF2-40B4-BE49-F238E27FC236}">
-                <a16:creationId xmlns:a16="http://schemas.microsoft.com/office/drawing/2014/main" id="{D3ABEAED-BECB-F645-8619-394A96A7B05E}"/>
-              </a:ext>
-            </a:extLst>
-          </p:cNvPr>
-          <p:cNvPicPr>
-            <a:picLocks noChangeAspect="1"/>
-          </p:cNvPicPr>
-          <p:nvPr/>
-        </p:nvPicPr>
-        <p:blipFill>
-          <a:blip r:embed="rId7"/>
-          <a:stretch>
-            <a:fillRect/>
-          </a:stretch>
-        </p:blipFill>
-        <p:spPr>
-          <a:xfrm>
-            <a:off x="1591" y="3603656"/>
-            <a:ext cx="1824506" cy="1724428"/>
-          </a:xfrm>
-          <a:prstGeom prst="rect">
-            <a:avLst/>
-          </a:prstGeom>
-        </p:spPr>
-      </p:pic>
-      <p:pic>
-        <p:nvPicPr>
-          <p:cNvPr id="72" name="Picture 71">
-            <a:extLst>
-              <a:ext uri="{FF2B5EF4-FFF2-40B4-BE49-F238E27FC236}">
-                <a16:creationId xmlns:a16="http://schemas.microsoft.com/office/drawing/2014/main" id="{473B3973-5F73-EC40-88EC-5E3C04AF2BFA}"/>
-              </a:ext>
-            </a:extLst>
-          </p:cNvPr>
-          <p:cNvPicPr>
-            <a:picLocks noChangeAspect="1"/>
-          </p:cNvPicPr>
-          <p:nvPr/>
-        </p:nvPicPr>
-        <p:blipFill>
-          <a:blip r:embed="rId8"/>
-          <a:stretch>
-            <a:fillRect/>
-          </a:stretch>
-        </p:blipFill>
-        <p:spPr>
-          <a:xfrm>
-            <a:off x="1845975" y="1589702"/>
-            <a:ext cx="1662117" cy="1577770"/>
-          </a:xfrm>
-          <a:prstGeom prst="rect">
-            <a:avLst/>
-          </a:prstGeom>
-        </p:spPr>
-      </p:pic>
+            <a:endParaRPr lang="de-DE" sz="1800" b="1" baseline="-25000" dirty="0"/>
+          </a:p>
+        </p:txBody>
+      </p:sp>
       <p:sp>
         <p:nvSpPr>
           <p:cNvPr id="73" name="TextBox 72">
@@ -3279,8 +3321,8 @@
         </p:nvSpPr>
         <p:spPr>
           <a:xfrm>
-            <a:off x="2173103" y="2910068"/>
-            <a:ext cx="433004" cy="400110"/>
+            <a:off x="2488913" y="3152543"/>
+            <a:ext cx="393056" cy="338554"/>
           </a:xfrm>
           <a:prstGeom prst="rect">
             <a:avLst/>
@@ -3294,47 +3336,17 @@
           <a:lstStyle/>
           <a:p>
             <a:r>
-              <a:rPr lang="de-DE" sz="2000" dirty="0" err="1"/>
-              <a:t>T</a:t>
-            </a:r>
-            <a:r>
-              <a:rPr lang="de-DE" sz="2000" baseline="-25000" dirty="0" err="1"/>
+              <a:rPr lang="de-DE" sz="1600" dirty="0" err="1"/>
+              <a:t>F</a:t>
+            </a:r>
+            <a:r>
+              <a:rPr lang="de-DE" sz="1600" baseline="-25000" dirty="0" err="1"/>
               <a:t>zx</a:t>
             </a:r>
-            <a:endParaRPr lang="de-DE" sz="2000" baseline="-25000" dirty="0"/>
-          </a:p>
-        </p:txBody>
-      </p:sp>
-      <p:pic>
-        <p:nvPicPr>
-          <p:cNvPr id="74" name="Picture 73">
-            <a:extLst>
-              <a:ext uri="{FF2B5EF4-FFF2-40B4-BE49-F238E27FC236}">
-                <a16:creationId xmlns:a16="http://schemas.microsoft.com/office/drawing/2014/main" id="{6D211A96-B75E-9A40-B2CC-D7308242001B}"/>
-              </a:ext>
-            </a:extLst>
-          </p:cNvPr>
-          <p:cNvPicPr>
-            <a:picLocks noChangeAspect="1"/>
-          </p:cNvPicPr>
-          <p:nvPr/>
-        </p:nvPicPr>
-        <p:blipFill>
-          <a:blip r:embed="rId9"/>
-          <a:stretch>
-            <a:fillRect/>
-          </a:stretch>
-        </p:blipFill>
-        <p:spPr>
-          <a:xfrm>
-            <a:off x="3601157" y="1641747"/>
-            <a:ext cx="1659707" cy="1519185"/>
-          </a:xfrm>
-          <a:prstGeom prst="rect">
-            <a:avLst/>
-          </a:prstGeom>
-        </p:spPr>
-      </p:pic>
+            <a:endParaRPr lang="de-DE" sz="1600" baseline="-25000" dirty="0"/>
+          </a:p>
+        </p:txBody>
+      </p:sp>
       <p:sp>
         <p:nvSpPr>
           <p:cNvPr id="75" name="TextBox 74">
@@ -3350,7 +3362,7 @@
         <p:spPr>
           <a:xfrm>
             <a:off x="-29582" y="1563223"/>
-            <a:ext cx="292068" cy="400110"/>
+            <a:ext cx="280846" cy="369332"/>
           </a:xfrm>
           <a:prstGeom prst="rect">
             <a:avLst/>
@@ -3364,46 +3376,10 @@
           <a:lstStyle/>
           <a:p>
             <a:r>
-              <a:rPr lang="de-DE" sz="2000" b="1" dirty="0"/>
+              <a:rPr lang="de-DE" sz="1800" b="1" dirty="0"/>
               <a:t>c</a:t>
             </a:r>
-            <a:endParaRPr lang="de-DE" sz="2000" b="1" baseline="-25000" dirty="0"/>
-          </a:p>
-        </p:txBody>
-      </p:sp>
-      <p:sp>
-        <p:nvSpPr>
-          <p:cNvPr id="76" name="TextBox 75">
-            <a:extLst>
-              <a:ext uri="{FF2B5EF4-FFF2-40B4-BE49-F238E27FC236}">
-                <a16:creationId xmlns:a16="http://schemas.microsoft.com/office/drawing/2014/main" id="{7F89A589-0E1F-A640-B462-D4F133D7F7A1}"/>
-              </a:ext>
-            </a:extLst>
-          </p:cNvPr>
-          <p:cNvSpPr txBox="1"/>
-          <p:nvPr/>
-        </p:nvSpPr>
-        <p:spPr>
-          <a:xfrm>
-            <a:off x="1762225" y="1592116"/>
-            <a:ext cx="266420" cy="400110"/>
-          </a:xfrm>
-          <a:prstGeom prst="rect">
-            <a:avLst/>
-          </a:prstGeom>
-          <a:noFill/>
-        </p:spPr>
-        <p:txBody>
-          <a:bodyPr wrap="none" rtlCol="0">
-            <a:spAutoFit/>
-          </a:bodyPr>
-          <a:lstStyle/>
-          <a:p>
-            <a:r>
-              <a:rPr lang="de-DE" sz="2000" b="1" dirty="0"/>
-              <a:t>f</a:t>
-            </a:r>
-            <a:endParaRPr lang="de-DE" sz="2000" b="1" baseline="-25000" dirty="0"/>
+            <a:endParaRPr lang="de-DE" sz="1800" b="1" baseline="-25000" dirty="0"/>
           </a:p>
         </p:txBody>
       </p:sp>
@@ -3421,8 +3397,8 @@
         </p:nvSpPr>
         <p:spPr>
           <a:xfrm>
-            <a:off x="3580961" y="1556018"/>
-            <a:ext cx="306494" cy="400110"/>
+            <a:off x="3474177" y="1556018"/>
+            <a:ext cx="258404" cy="369332"/>
           </a:xfrm>
           <a:prstGeom prst="rect">
             <a:avLst/>
@@ -3436,10 +3412,10 @@
           <a:lstStyle/>
           <a:p>
             <a:r>
-              <a:rPr lang="de-DE" sz="2000" b="1" dirty="0" err="1"/>
-              <a:t>g</a:t>
-            </a:r>
-            <a:endParaRPr lang="de-DE" sz="2000" b="1" baseline="-25000" dirty="0"/>
+              <a:rPr lang="de-DE" sz="1800" b="1" dirty="0"/>
+              <a:t>f</a:t>
+            </a:r>
+            <a:endParaRPr lang="de-DE" sz="1800" b="1" baseline="-25000" dirty="0"/>
           </a:p>
         </p:txBody>
       </p:sp>
@@ -3457,8 +3433,8 @@
         </p:nvSpPr>
         <p:spPr>
           <a:xfrm>
-            <a:off x="412499" y="3216708"/>
-            <a:ext cx="439479" cy="400110"/>
+            <a:off x="764293" y="3152543"/>
+            <a:ext cx="393056" cy="338554"/>
           </a:xfrm>
           <a:prstGeom prst="rect">
             <a:avLst/>
@@ -3472,14 +3448,14 @@
           <a:lstStyle/>
           <a:p>
             <a:r>
-              <a:rPr lang="de-DE" sz="2000" dirty="0" err="1"/>
-              <a:t>T</a:t>
-            </a:r>
-            <a:r>
-              <a:rPr lang="de-DE" sz="2000" baseline="-25000" dirty="0" err="1"/>
+              <a:rPr lang="de-DE" sz="1600" dirty="0" err="1"/>
+              <a:t>F</a:t>
+            </a:r>
+            <a:r>
+              <a:rPr lang="de-DE" sz="1600" baseline="-25000" dirty="0" err="1"/>
               <a:t>xz</a:t>
             </a:r>
-            <a:endParaRPr lang="de-DE" sz="2000" baseline="-25000" dirty="0"/>
+            <a:endParaRPr lang="de-DE" sz="1600" baseline="-25000" dirty="0"/>
           </a:p>
         </p:txBody>
       </p:sp>
@@ -3497,8 +3473,8 @@
         </p:nvSpPr>
         <p:spPr>
           <a:xfrm>
-            <a:off x="1329221" y="3231214"/>
-            <a:ext cx="433004" cy="400110"/>
+            <a:off x="1312431" y="3157431"/>
+            <a:ext cx="393056" cy="338554"/>
           </a:xfrm>
           <a:prstGeom prst="rect">
             <a:avLst/>
@@ -3512,14 +3488,14 @@
           <a:lstStyle/>
           <a:p>
             <a:r>
-              <a:rPr lang="de-DE" sz="2000" dirty="0" err="1"/>
-              <a:t>T</a:t>
-            </a:r>
-            <a:r>
-              <a:rPr lang="de-DE" sz="2000" baseline="-25000" dirty="0" err="1"/>
+              <a:rPr lang="de-DE" sz="1600" dirty="0" err="1"/>
+              <a:t>F</a:t>
+            </a:r>
+            <a:r>
+              <a:rPr lang="de-DE" sz="1600" baseline="-25000" dirty="0" err="1"/>
               <a:t>zx</a:t>
             </a:r>
-            <a:endParaRPr lang="de-DE" sz="2000" baseline="-25000" dirty="0"/>
+            <a:endParaRPr lang="de-DE" sz="1600" baseline="-25000" dirty="0"/>
           </a:p>
         </p:txBody>
       </p:sp>
@@ -3538,7 +3514,7 @@
         <p:spPr>
           <a:xfrm>
             <a:off x="-35096" y="3554577"/>
-            <a:ext cx="322524" cy="400110"/>
+            <a:ext cx="308098" cy="369332"/>
           </a:xfrm>
           <a:prstGeom prst="rect">
             <a:avLst/>
@@ -3552,10 +3528,10 @@
           <a:lstStyle/>
           <a:p>
             <a:r>
-              <a:rPr lang="de-DE" sz="2000" b="1" dirty="0"/>
+              <a:rPr lang="de-DE" sz="1800" b="1" dirty="0"/>
               <a:t>d</a:t>
             </a:r>
-            <a:endParaRPr lang="de-DE" sz="2000" b="1" baseline="-25000" dirty="0"/>
+            <a:endParaRPr lang="de-DE" sz="1800" b="1" baseline="-25000" dirty="0"/>
           </a:p>
         </p:txBody>
       </p:sp>
@@ -3573,8 +3549,8 @@
         </p:nvSpPr>
         <p:spPr>
           <a:xfrm>
-            <a:off x="3595501" y="3554577"/>
-            <a:ext cx="322524" cy="400110"/>
+            <a:off x="3488717" y="3554577"/>
+            <a:ext cx="293670" cy="369332"/>
           </a:xfrm>
           <a:prstGeom prst="rect">
             <a:avLst/>
@@ -3588,57 +3564,13 @@
           <a:lstStyle/>
           <a:p>
             <a:r>
-              <a:rPr lang="de-DE" sz="2000" b="1" dirty="0"/>
-              <a:t>h</a:t>
-            </a:r>
-            <a:endParaRPr lang="de-DE" sz="2000" b="1" baseline="-25000" dirty="0"/>
-          </a:p>
-        </p:txBody>
-      </p:sp>
-      <p:cxnSp>
-        <p:nvCxnSpPr>
-          <p:cNvPr id="82" name="Straight Arrow Connector 81">
-            <a:extLst>
-              <a:ext uri="{FF2B5EF4-FFF2-40B4-BE49-F238E27FC236}">
-                <a16:creationId xmlns:a16="http://schemas.microsoft.com/office/drawing/2014/main" id="{D45755CA-A734-024A-AC8E-1B2FD8B4631F}"/>
-              </a:ext>
-            </a:extLst>
-          </p:cNvPr>
-          <p:cNvCxnSpPr>
-            <a:cxnSpLocks/>
-          </p:cNvCxnSpPr>
-          <p:nvPr/>
-        </p:nvCxnSpPr>
-        <p:spPr>
-          <a:xfrm>
-            <a:off x="841686" y="3310479"/>
-            <a:ext cx="0" cy="241581"/>
-          </a:xfrm>
-          <a:prstGeom prst="straightConnector1">
-            <a:avLst/>
-          </a:prstGeom>
-          <a:ln w="19050">
-            <a:solidFill>
-              <a:schemeClr val="tx1"/>
-            </a:solidFill>
-            <a:tailEnd type="triangle" w="lg" len="med"/>
-          </a:ln>
-        </p:spPr>
-        <p:style>
-          <a:lnRef idx="1">
-            <a:schemeClr val="accent1"/>
-          </a:lnRef>
-          <a:fillRef idx="0">
-            <a:schemeClr val="accent1"/>
-          </a:fillRef>
-          <a:effectRef idx="0">
-            <a:schemeClr val="accent1"/>
-          </a:effectRef>
-          <a:fontRef idx="minor">
-            <a:schemeClr val="tx1"/>
-          </a:fontRef>
-        </p:style>
-      </p:cxnSp>
+              <a:rPr lang="de-DE" sz="1800" b="1" dirty="0" err="1"/>
+              <a:t>g</a:t>
+            </a:r>
+            <a:endParaRPr lang="de-DE" sz="1800" b="1" baseline="-25000" dirty="0"/>
+          </a:p>
+        </p:txBody>
+      </p:sp>
       <p:sp>
         <p:nvSpPr>
           <p:cNvPr id="83" name="TextBox 82">
@@ -3653,8 +3585,8 @@
         </p:nvSpPr>
         <p:spPr>
           <a:xfrm>
-            <a:off x="1749277" y="3126095"/>
-            <a:ext cx="439479" cy="400110"/>
+            <a:off x="1936747" y="3152543"/>
+            <a:ext cx="393056" cy="338554"/>
           </a:xfrm>
           <a:prstGeom prst="rect">
             <a:avLst/>
@@ -3668,14 +3600,14 @@
           <a:lstStyle/>
           <a:p>
             <a:r>
-              <a:rPr lang="de-DE" sz="2000" dirty="0" err="1"/>
-              <a:t>T</a:t>
-            </a:r>
-            <a:r>
-              <a:rPr lang="de-DE" sz="2000" baseline="-25000" dirty="0" err="1"/>
+              <a:rPr lang="de-DE" sz="1600" dirty="0" err="1"/>
+              <a:t>F</a:t>
+            </a:r>
+            <a:r>
+              <a:rPr lang="de-DE" sz="1600" baseline="-25000" dirty="0" err="1"/>
               <a:t>xz</a:t>
             </a:r>
-            <a:endParaRPr lang="de-DE" sz="2000" baseline="-25000" dirty="0"/>
+            <a:endParaRPr lang="de-DE" sz="1600" baseline="-25000" dirty="0"/>
           </a:p>
         </p:txBody>
       </p:sp>
@@ -3695,17 +3627,17 @@
         </p:nvCxnSpPr>
         <p:spPr>
           <a:xfrm>
-            <a:off x="1864911" y="3079797"/>
-            <a:ext cx="475829" cy="474780"/>
+            <a:off x="2198159" y="3169141"/>
+            <a:ext cx="203236" cy="328007"/>
           </a:xfrm>
           <a:prstGeom prst="straightConnector1">
             <a:avLst/>
           </a:prstGeom>
-          <a:ln w="19050">
+          <a:ln w="12700">
             <a:solidFill>
               <a:schemeClr val="tx1"/>
             </a:solidFill>
-            <a:tailEnd type="triangle" w="lg" len="med"/>
+            <a:tailEnd type="triangle" w="med" len="med"/>
           </a:ln>
         </p:spPr>
         <p:style>
@@ -3739,61 +3671,17 @@
         </p:nvCxnSpPr>
         <p:spPr>
           <a:xfrm flipH="1" flipV="1">
-            <a:off x="1969016" y="2974087"/>
-            <a:ext cx="486160" cy="503039"/>
+            <a:off x="2349864" y="3152543"/>
+            <a:ext cx="227186" cy="350214"/>
           </a:xfrm>
           <a:prstGeom prst="straightConnector1">
             <a:avLst/>
           </a:prstGeom>
-          <a:ln w="19050">
+          <a:ln w="12700">
             <a:solidFill>
               <a:schemeClr val="tx1"/>
             </a:solidFill>
-            <a:tailEnd type="triangle" w="lg" len="med"/>
-          </a:ln>
-        </p:spPr>
-        <p:style>
-          <a:lnRef idx="1">
-            <a:schemeClr val="accent1"/>
-          </a:lnRef>
-          <a:fillRef idx="0">
-            <a:schemeClr val="accent1"/>
-          </a:fillRef>
-          <a:effectRef idx="0">
-            <a:schemeClr val="accent1"/>
-          </a:effectRef>
-          <a:fontRef idx="minor">
-            <a:schemeClr val="tx1"/>
-          </a:fontRef>
-        </p:style>
-      </p:cxnSp>
-      <p:cxnSp>
-        <p:nvCxnSpPr>
-          <p:cNvPr id="86" name="Straight Arrow Connector 85">
-            <a:extLst>
-              <a:ext uri="{FF2B5EF4-FFF2-40B4-BE49-F238E27FC236}">
-                <a16:creationId xmlns:a16="http://schemas.microsoft.com/office/drawing/2014/main" id="{C9A0A7CA-EEAB-EC41-9D43-3C886AEAD6E8}"/>
-              </a:ext>
-            </a:extLst>
-          </p:cNvPr>
-          <p:cNvCxnSpPr>
-            <a:cxnSpLocks/>
-          </p:cNvCxnSpPr>
-          <p:nvPr/>
-        </p:nvCxnSpPr>
-        <p:spPr>
-          <a:xfrm flipV="1">
-            <a:off x="1292087" y="3310479"/>
-            <a:ext cx="0" cy="221223"/>
-          </a:xfrm>
-          <a:prstGeom prst="straightConnector1">
-            <a:avLst/>
-          </a:prstGeom>
-          <a:ln w="19050">
-            <a:solidFill>
-              <a:schemeClr val="tx1"/>
-            </a:solidFill>
-            <a:tailEnd type="triangle" w="lg" len="med"/>
+            <a:tailEnd type="triangle" w="med" len="med"/>
           </a:ln>
         </p:spPr>
         <p:style>
@@ -3827,17 +3715,17 @@
         </p:nvCxnSpPr>
         <p:spPr>
           <a:xfrm>
-            <a:off x="4538908" y="3211196"/>
-            <a:ext cx="0" cy="340864"/>
+            <a:off x="4508792" y="3290283"/>
+            <a:ext cx="0" cy="223053"/>
           </a:xfrm>
           <a:prstGeom prst="straightConnector1">
             <a:avLst/>
           </a:prstGeom>
-          <a:ln w="19050">
+          <a:ln w="12700">
             <a:solidFill>
               <a:schemeClr val="tx1"/>
             </a:solidFill>
-            <a:tailEnd type="triangle" w="lg" len="med"/>
+            <a:tailEnd type="triangle" w="med" len="med"/>
           </a:ln>
         </p:spPr>
         <p:style>
@@ -3857,6 +3745,258 @@
       </p:cxnSp>
       <p:sp>
         <p:nvSpPr>
+          <p:cNvPr id="89" name="TextBox 88">
+            <a:extLst>
+              <a:ext uri="{FF2B5EF4-FFF2-40B4-BE49-F238E27FC236}">
+                <a16:creationId xmlns:a16="http://schemas.microsoft.com/office/drawing/2014/main" id="{95934CC0-8B1B-7B40-BC2A-268B93F9E8C7}"/>
+              </a:ext>
+            </a:extLst>
+          </p:cNvPr>
+          <p:cNvSpPr txBox="1"/>
+          <p:nvPr/>
+        </p:nvSpPr>
+        <p:spPr>
+          <a:xfrm>
+            <a:off x="4507353" y="3236337"/>
+            <a:ext cx="735330" cy="276999"/>
+          </a:xfrm>
+          <a:prstGeom prst="rect">
+            <a:avLst/>
+          </a:prstGeom>
+          <a:noFill/>
+        </p:spPr>
+        <p:txBody>
+          <a:bodyPr wrap="none" rtlCol="0">
+            <a:spAutoFit/>
+          </a:bodyPr>
+          <a:lstStyle/>
+          <a:p>
+            <a:r>
+              <a:rPr lang="de-DE" sz="1200" dirty="0" err="1"/>
+              <a:t>reweight</a:t>
+            </a:r>
+            <a:endParaRPr lang="de-DE" sz="1200" baseline="-25000" dirty="0"/>
+          </a:p>
+        </p:txBody>
+      </p:sp>
+      <p:sp>
+        <p:nvSpPr>
+          <p:cNvPr id="4" name="TextBox 3">
+            <a:extLst>
+              <a:ext uri="{FF2B5EF4-FFF2-40B4-BE49-F238E27FC236}">
+                <a16:creationId xmlns:a16="http://schemas.microsoft.com/office/drawing/2014/main" id="{8DF89B70-D60F-2343-A4C2-FBF8B17EC1CC}"/>
+              </a:ext>
+            </a:extLst>
+          </p:cNvPr>
+          <p:cNvSpPr txBox="1"/>
+          <p:nvPr/>
+        </p:nvSpPr>
+        <p:spPr>
+          <a:xfrm>
+            <a:off x="327390" y="4771709"/>
+            <a:ext cx="1401346" cy="246221"/>
+          </a:xfrm>
+          <a:prstGeom prst="rect">
+            <a:avLst/>
+          </a:prstGeom>
+          <a:noFill/>
+        </p:spPr>
+        <p:txBody>
+          <a:bodyPr wrap="none" rtlCol="0">
+            <a:spAutoFit/>
+          </a:bodyPr>
+          <a:lstStyle/>
+          <a:p>
+            <a:r>
+              <a:rPr lang="de-DE" sz="1000" dirty="0"/>
+              <a:t>non-volume-</a:t>
+            </a:r>
+            <a:r>
+              <a:rPr lang="de-DE" sz="1000" dirty="0" err="1"/>
+              <a:t>preserving</a:t>
+            </a:r>
+            <a:endParaRPr lang="de-DE" sz="1000" dirty="0"/>
+          </a:p>
+        </p:txBody>
+      </p:sp>
+      <p:sp>
+        <p:nvSpPr>
+          <p:cNvPr id="32" name="TextBox 31">
+            <a:extLst>
+              <a:ext uri="{FF2B5EF4-FFF2-40B4-BE49-F238E27FC236}">
+                <a16:creationId xmlns:a16="http://schemas.microsoft.com/office/drawing/2014/main" id="{D9069381-2478-3D46-9BE9-A15AD500190C}"/>
+              </a:ext>
+            </a:extLst>
+          </p:cNvPr>
+          <p:cNvSpPr txBox="1"/>
+          <p:nvPr/>
+        </p:nvSpPr>
+        <p:spPr>
+          <a:xfrm>
+            <a:off x="2194514" y="4771709"/>
+            <a:ext cx="1160895" cy="246221"/>
+          </a:xfrm>
+          <a:prstGeom prst="rect">
+            <a:avLst/>
+          </a:prstGeom>
+          <a:noFill/>
+        </p:spPr>
+        <p:txBody>
+          <a:bodyPr wrap="none" rtlCol="0">
+            <a:spAutoFit/>
+          </a:bodyPr>
+          <a:lstStyle/>
+          <a:p>
+            <a:r>
+              <a:rPr lang="de-DE" sz="1000" dirty="0" err="1"/>
+              <a:t>volume-preserving</a:t>
+            </a:r>
+            <a:endParaRPr lang="de-DE" sz="1000" dirty="0"/>
+          </a:p>
+        </p:txBody>
+      </p:sp>
+      <p:cxnSp>
+        <p:nvCxnSpPr>
+          <p:cNvPr id="90" name="Straight Arrow Connector 89">
+            <a:extLst>
+              <a:ext uri="{FF2B5EF4-FFF2-40B4-BE49-F238E27FC236}">
+                <a16:creationId xmlns:a16="http://schemas.microsoft.com/office/drawing/2014/main" id="{4F5B6B8A-9A54-1340-B39D-765B8AC9D96D}"/>
+              </a:ext>
+            </a:extLst>
+          </p:cNvPr>
+          <p:cNvCxnSpPr>
+            <a:cxnSpLocks/>
+          </p:cNvCxnSpPr>
+          <p:nvPr/>
+        </p:nvCxnSpPr>
+        <p:spPr>
+          <a:xfrm flipH="1">
+            <a:off x="1229784" y="3197024"/>
+            <a:ext cx="187038" cy="311935"/>
+          </a:xfrm>
+          <a:prstGeom prst="straightConnector1">
+            <a:avLst/>
+          </a:prstGeom>
+          <a:ln w="12700">
+            <a:solidFill>
+              <a:schemeClr val="tx1"/>
+            </a:solidFill>
+            <a:tailEnd type="triangle" w="med" len="med"/>
+          </a:ln>
+        </p:spPr>
+        <p:style>
+          <a:lnRef idx="1">
+            <a:schemeClr val="accent1"/>
+          </a:lnRef>
+          <a:fillRef idx="0">
+            <a:schemeClr val="accent1"/>
+          </a:fillRef>
+          <a:effectRef idx="0">
+            <a:schemeClr val="accent1"/>
+          </a:effectRef>
+          <a:fontRef idx="minor">
+            <a:schemeClr val="tx1"/>
+          </a:fontRef>
+        </p:style>
+      </p:cxnSp>
+      <p:cxnSp>
+        <p:nvCxnSpPr>
+          <p:cNvPr id="91" name="Straight Arrow Connector 90">
+            <a:extLst>
+              <a:ext uri="{FF2B5EF4-FFF2-40B4-BE49-F238E27FC236}">
+                <a16:creationId xmlns:a16="http://schemas.microsoft.com/office/drawing/2014/main" id="{9454CFBE-0D4F-8F47-A197-A381FD277BEF}"/>
+              </a:ext>
+            </a:extLst>
+          </p:cNvPr>
+          <p:cNvCxnSpPr>
+            <a:cxnSpLocks/>
+          </p:cNvCxnSpPr>
+          <p:nvPr/>
+        </p:nvCxnSpPr>
+        <p:spPr>
+          <a:xfrm flipV="1">
+            <a:off x="1075747" y="3169141"/>
+            <a:ext cx="203275" cy="321957"/>
+          </a:xfrm>
+          <a:prstGeom prst="straightConnector1">
+            <a:avLst/>
+          </a:prstGeom>
+          <a:ln w="12700">
+            <a:solidFill>
+              <a:schemeClr val="tx1"/>
+            </a:solidFill>
+            <a:tailEnd type="triangle" w="med" len="med"/>
+          </a:ln>
+        </p:spPr>
+        <p:style>
+          <a:lnRef idx="1">
+            <a:schemeClr val="accent1"/>
+          </a:lnRef>
+          <a:fillRef idx="0">
+            <a:schemeClr val="accent1"/>
+          </a:fillRef>
+          <a:effectRef idx="0">
+            <a:schemeClr val="accent1"/>
+          </a:effectRef>
+          <a:fontRef idx="minor">
+            <a:schemeClr val="tx1"/>
+          </a:fontRef>
+        </p:style>
+      </p:cxnSp>
+      <p:sp>
+        <p:nvSpPr>
+          <p:cNvPr id="44" name="Rectangle 43">
+            <a:extLst>
+              <a:ext uri="{FF2B5EF4-FFF2-40B4-BE49-F238E27FC236}">
+                <a16:creationId xmlns:a16="http://schemas.microsoft.com/office/drawing/2014/main" id="{9A381616-5289-7441-AD1E-AE06E4B23AD6}"/>
+              </a:ext>
+            </a:extLst>
+          </p:cNvPr>
+          <p:cNvSpPr/>
+          <p:nvPr/>
+        </p:nvSpPr>
+        <p:spPr>
+          <a:xfrm>
+            <a:off x="1755433" y="3613054"/>
+            <a:ext cx="136809" cy="1459530"/>
+          </a:xfrm>
+          <a:prstGeom prst="rect">
+            <a:avLst/>
+          </a:prstGeom>
+          <a:solidFill>
+            <a:schemeClr val="bg1"/>
+          </a:solidFill>
+          <a:ln>
+            <a:noFill/>
+          </a:ln>
+        </p:spPr>
+        <p:style>
+          <a:lnRef idx="2">
+            <a:schemeClr val="accent1">
+              <a:shade val="50000"/>
+            </a:schemeClr>
+          </a:lnRef>
+          <a:fillRef idx="1">
+            <a:schemeClr val="accent1"/>
+          </a:fillRef>
+          <a:effectRef idx="0">
+            <a:schemeClr val="accent1"/>
+          </a:effectRef>
+          <a:fontRef idx="minor">
+            <a:schemeClr val="lt1"/>
+          </a:fontRef>
+        </p:style>
+        <p:txBody>
+          <a:bodyPr rtlCol="0" anchor="ctr"/>
+          <a:lstStyle/>
+          <a:p>
+            <a:pPr algn="ctr"/>
+            <a:endParaRPr lang="de-DE"/>
+          </a:p>
+        </p:txBody>
+      </p:sp>
+      <p:sp>
+        <p:nvSpPr>
           <p:cNvPr id="88" name="TextBox 87">
             <a:extLst>
               <a:ext uri="{FF2B5EF4-FFF2-40B4-BE49-F238E27FC236}">
@@ -3869,8 +4009,8 @@
         </p:nvSpPr>
         <p:spPr>
           <a:xfrm>
-            <a:off x="1764150" y="3539850"/>
-            <a:ext cx="314510" cy="400110"/>
+            <a:off x="1664043" y="3539850"/>
+            <a:ext cx="300082" cy="369332"/>
           </a:xfrm>
           <a:prstGeom prst="rect">
             <a:avLst/>
@@ -3884,122 +4024,10 @@
           <a:lstStyle/>
           <a:p>
             <a:r>
-              <a:rPr lang="de-DE" sz="2000" b="1" dirty="0" err="1"/>
+              <a:rPr lang="de-DE" sz="1800" b="1" dirty="0" err="1"/>
               <a:t>e</a:t>
             </a:r>
-            <a:endParaRPr lang="de-DE" sz="2000" b="1" baseline="-25000" dirty="0"/>
-          </a:p>
-        </p:txBody>
-      </p:sp>
-      <p:sp>
-        <p:nvSpPr>
-          <p:cNvPr id="89" name="TextBox 88">
-            <a:extLst>
-              <a:ext uri="{FF2B5EF4-FFF2-40B4-BE49-F238E27FC236}">
-                <a16:creationId xmlns:a16="http://schemas.microsoft.com/office/drawing/2014/main" id="{95934CC0-8B1B-7B40-BC2A-268B93F9E8C7}"/>
-              </a:ext>
-            </a:extLst>
-          </p:cNvPr>
-          <p:cNvSpPr txBox="1"/>
-          <p:nvPr/>
-        </p:nvSpPr>
-        <p:spPr>
-          <a:xfrm>
-            <a:off x="4548839" y="3200127"/>
-            <a:ext cx="735330" cy="276999"/>
-          </a:xfrm>
-          <a:prstGeom prst="rect">
-            <a:avLst/>
-          </a:prstGeom>
-          <a:noFill/>
-        </p:spPr>
-        <p:txBody>
-          <a:bodyPr wrap="none" rtlCol="0">
-            <a:spAutoFit/>
-          </a:bodyPr>
-          <a:lstStyle/>
-          <a:p>
-            <a:r>
-              <a:rPr lang="de-DE" sz="1200" dirty="0" err="1"/>
-              <a:t>reweight</a:t>
-            </a:r>
-            <a:endParaRPr lang="de-DE" sz="1200" baseline="-25000" dirty="0"/>
-          </a:p>
-        </p:txBody>
-      </p:sp>
-      <p:sp>
-        <p:nvSpPr>
-          <p:cNvPr id="4" name="TextBox 3">
-            <a:extLst>
-              <a:ext uri="{FF2B5EF4-FFF2-40B4-BE49-F238E27FC236}">
-                <a16:creationId xmlns:a16="http://schemas.microsoft.com/office/drawing/2014/main" id="{8DF89B70-D60F-2343-A4C2-FBF8B17EC1CC}"/>
-              </a:ext>
-            </a:extLst>
-          </p:cNvPr>
-          <p:cNvSpPr txBox="1"/>
-          <p:nvPr/>
-        </p:nvSpPr>
-        <p:spPr>
-          <a:xfrm>
-            <a:off x="327390" y="4771709"/>
-            <a:ext cx="1401346" cy="246221"/>
-          </a:xfrm>
-          <a:prstGeom prst="rect">
-            <a:avLst/>
-          </a:prstGeom>
-          <a:noFill/>
-        </p:spPr>
-        <p:txBody>
-          <a:bodyPr wrap="none" rtlCol="0">
-            <a:spAutoFit/>
-          </a:bodyPr>
-          <a:lstStyle/>
-          <a:p>
-            <a:r>
-              <a:rPr lang="de-DE" sz="1000" dirty="0"/>
-              <a:t>non-volume-</a:t>
-            </a:r>
-            <a:r>
-              <a:rPr lang="de-DE" sz="1000" dirty="0" err="1"/>
-              <a:t>preserving</a:t>
-            </a:r>
-            <a:endParaRPr lang="de-DE" sz="1000" dirty="0"/>
-          </a:p>
-        </p:txBody>
-      </p:sp>
-      <p:sp>
-        <p:nvSpPr>
-          <p:cNvPr id="32" name="TextBox 31">
-            <a:extLst>
-              <a:ext uri="{FF2B5EF4-FFF2-40B4-BE49-F238E27FC236}">
-                <a16:creationId xmlns:a16="http://schemas.microsoft.com/office/drawing/2014/main" id="{D9069381-2478-3D46-9BE9-A15AD500190C}"/>
-              </a:ext>
-            </a:extLst>
-          </p:cNvPr>
-          <p:cNvSpPr txBox="1"/>
-          <p:nvPr/>
-        </p:nvSpPr>
-        <p:spPr>
-          <a:xfrm>
-            <a:off x="2307973" y="4771709"/>
-            <a:ext cx="1160895" cy="246221"/>
-          </a:xfrm>
-          <a:prstGeom prst="rect">
-            <a:avLst/>
-          </a:prstGeom>
-          <a:noFill/>
-        </p:spPr>
-        <p:txBody>
-          <a:bodyPr wrap="none" rtlCol="0">
-            <a:spAutoFit/>
-          </a:bodyPr>
-          <a:lstStyle/>
-          <a:p>
-            <a:r>
-              <a:rPr lang="de-DE" sz="1000" dirty="0" err="1"/>
-              <a:t>volume-preserving</a:t>
-            </a:r>
-            <a:endParaRPr lang="de-DE" sz="1000" dirty="0"/>
+            <a:endParaRPr lang="de-DE" sz="1800" b="1" baseline="-25000" dirty="0"/>
           </a:p>
         </p:txBody>
       </p:sp>

--- a/figs/Fig_Results_DoubleWell.pptx
+++ b/figs/Fig_Results_DoubleWell.pptx
@@ -243,7 +243,7 @@
           <a:p>
             <a:fld id="{2DF69B4B-5AE9-AC4D-9EFA-9FD7F0F1516D}" type="datetimeFigureOut">
               <a:rPr lang="de-DE" smtClean="0"/>
-              <a:t>03.11.18</a:t>
+              <a:t>13.11.18</a:t>
             </a:fld>
             <a:endParaRPr lang="de-DE"/>
           </a:p>
@@ -413,7 +413,7 @@
           <a:p>
             <a:fld id="{2DF69B4B-5AE9-AC4D-9EFA-9FD7F0F1516D}" type="datetimeFigureOut">
               <a:rPr lang="de-DE" smtClean="0"/>
-              <a:t>03.11.18</a:t>
+              <a:t>13.11.18</a:t>
             </a:fld>
             <a:endParaRPr lang="de-DE"/>
           </a:p>
@@ -593,7 +593,7 @@
           <a:p>
             <a:fld id="{2DF69B4B-5AE9-AC4D-9EFA-9FD7F0F1516D}" type="datetimeFigureOut">
               <a:rPr lang="de-DE" smtClean="0"/>
-              <a:t>03.11.18</a:t>
+              <a:t>13.11.18</a:t>
             </a:fld>
             <a:endParaRPr lang="de-DE"/>
           </a:p>
@@ -763,7 +763,7 @@
           <a:p>
             <a:fld id="{2DF69B4B-5AE9-AC4D-9EFA-9FD7F0F1516D}" type="datetimeFigureOut">
               <a:rPr lang="de-DE" smtClean="0"/>
-              <a:t>03.11.18</a:t>
+              <a:t>13.11.18</a:t>
             </a:fld>
             <a:endParaRPr lang="de-DE"/>
           </a:p>
@@ -1007,7 +1007,7 @@
           <a:p>
             <a:fld id="{2DF69B4B-5AE9-AC4D-9EFA-9FD7F0F1516D}" type="datetimeFigureOut">
               <a:rPr lang="de-DE" smtClean="0"/>
-              <a:t>03.11.18</a:t>
+              <a:t>13.11.18</a:t>
             </a:fld>
             <a:endParaRPr lang="de-DE"/>
           </a:p>
@@ -1239,7 +1239,7 @@
           <a:p>
             <a:fld id="{2DF69B4B-5AE9-AC4D-9EFA-9FD7F0F1516D}" type="datetimeFigureOut">
               <a:rPr lang="de-DE" smtClean="0"/>
-              <a:t>03.11.18</a:t>
+              <a:t>13.11.18</a:t>
             </a:fld>
             <a:endParaRPr lang="de-DE"/>
           </a:p>
@@ -1606,7 +1606,7 @@
           <a:p>
             <a:fld id="{2DF69B4B-5AE9-AC4D-9EFA-9FD7F0F1516D}" type="datetimeFigureOut">
               <a:rPr lang="de-DE" smtClean="0"/>
-              <a:t>03.11.18</a:t>
+              <a:t>13.11.18</a:t>
             </a:fld>
             <a:endParaRPr lang="de-DE"/>
           </a:p>
@@ -1724,7 +1724,7 @@
           <a:p>
             <a:fld id="{2DF69B4B-5AE9-AC4D-9EFA-9FD7F0F1516D}" type="datetimeFigureOut">
               <a:rPr lang="de-DE" smtClean="0"/>
-              <a:t>03.11.18</a:t>
+              <a:t>13.11.18</a:t>
             </a:fld>
             <a:endParaRPr lang="de-DE"/>
           </a:p>
@@ -1819,7 +1819,7 @@
           <a:p>
             <a:fld id="{2DF69B4B-5AE9-AC4D-9EFA-9FD7F0F1516D}" type="datetimeFigureOut">
               <a:rPr lang="de-DE" smtClean="0"/>
-              <a:t>03.11.18</a:t>
+              <a:t>13.11.18</a:t>
             </a:fld>
             <a:endParaRPr lang="de-DE"/>
           </a:p>
@@ -2096,7 +2096,7 @@
           <a:p>
             <a:fld id="{2DF69B4B-5AE9-AC4D-9EFA-9FD7F0F1516D}" type="datetimeFigureOut">
               <a:rPr lang="de-DE" smtClean="0"/>
-              <a:t>03.11.18</a:t>
+              <a:t>13.11.18</a:t>
             </a:fld>
             <a:endParaRPr lang="de-DE"/>
           </a:p>
@@ -2353,7 +2353,7 @@
           <a:p>
             <a:fld id="{2DF69B4B-5AE9-AC4D-9EFA-9FD7F0F1516D}" type="datetimeFigureOut">
               <a:rPr lang="de-DE" smtClean="0"/>
-              <a:t>03.11.18</a:t>
+              <a:t>13.11.18</a:t>
             </a:fld>
             <a:endParaRPr lang="de-DE"/>
           </a:p>
@@ -2566,7 +2566,7 @@
           <a:p>
             <a:fld id="{2DF69B4B-5AE9-AC4D-9EFA-9FD7F0F1516D}" type="datetimeFigureOut">
               <a:rPr lang="de-DE" smtClean="0"/>
-              <a:t>03.11.18</a:t>
+              <a:t>13.11.18</a:t>
             </a:fld>
             <a:endParaRPr lang="de-DE"/>
           </a:p>
@@ -2973,10 +2973,10 @@
       </p:grpSpPr>
       <p:pic>
         <p:nvPicPr>
-          <p:cNvPr id="92" name="Picture 91">
+          <p:cNvPr id="39" name="Picture 38">
             <a:extLst>
               <a:ext uri="{FF2B5EF4-FFF2-40B4-BE49-F238E27FC236}">
-                <a16:creationId xmlns:a16="http://schemas.microsoft.com/office/drawing/2014/main" id="{04D51562-0708-B145-80DB-E8E18AB95953}"/>
+                <a16:creationId xmlns:a16="http://schemas.microsoft.com/office/drawing/2014/main" id="{825D4078-31F9-1D4A-99EB-D0BDB2F8F08F}"/>
               </a:ext>
             </a:extLst>
           </p:cNvPr>
@@ -2999,8 +2999,8 @@
         </p:blipFill>
         <p:spPr>
           <a:xfrm>
-            <a:off x="3373075" y="1606449"/>
-            <a:ext cx="1871889" cy="1722636"/>
+            <a:off x="3377656" y="1606449"/>
+            <a:ext cx="1865027" cy="1716321"/>
           </a:xfrm>
           <a:prstGeom prst="rect">
             <a:avLst/>
@@ -3009,10 +3009,10 @@
       </p:pic>
       <p:pic>
         <p:nvPicPr>
-          <p:cNvPr id="93" name="Picture 92">
+          <p:cNvPr id="40" name="Picture 39">
             <a:extLst>
               <a:ext uri="{FF2B5EF4-FFF2-40B4-BE49-F238E27FC236}">
-                <a16:creationId xmlns:a16="http://schemas.microsoft.com/office/drawing/2014/main" id="{9F1ACAE6-F033-B043-AF31-3565AFF40966}"/>
+                <a16:creationId xmlns:a16="http://schemas.microsoft.com/office/drawing/2014/main" id="{94716245-30F3-524B-8922-01F9C4D63C19}"/>
               </a:ext>
             </a:extLst>
           </p:cNvPr>
@@ -3035,8 +3035,80 @@
         </p:blipFill>
         <p:spPr>
           <a:xfrm>
-            <a:off x="3371165" y="3586888"/>
-            <a:ext cx="1871889" cy="1722636"/>
+            <a:off x="3377656" y="3601592"/>
+            <a:ext cx="1865027" cy="1716321"/>
+          </a:xfrm>
+          <a:prstGeom prst="rect">
+            <a:avLst/>
+          </a:prstGeom>
+        </p:spPr>
+      </p:pic>
+      <p:pic>
+        <p:nvPicPr>
+          <p:cNvPr id="33" name="Picture 32">
+            <a:extLst>
+              <a:ext uri="{FF2B5EF4-FFF2-40B4-BE49-F238E27FC236}">
+                <a16:creationId xmlns:a16="http://schemas.microsoft.com/office/drawing/2014/main" id="{9BD787C7-0360-1C40-A4E6-65E58C08F2C7}"/>
+              </a:ext>
+            </a:extLst>
+          </p:cNvPr>
+          <p:cNvPicPr>
+            <a:picLocks noChangeAspect="1"/>
+          </p:cNvPicPr>
+          <p:nvPr/>
+        </p:nvPicPr>
+        <p:blipFill>
+          <a:blip r:embed="rId4">
+            <a:extLst>
+              <a:ext uri="{28A0092B-C50C-407E-A947-70E740481C1C}">
+                <a14:useLocalDpi xmlns:a14="http://schemas.microsoft.com/office/drawing/2010/main" val="0"/>
+              </a:ext>
+            </a:extLst>
+          </a:blip>
+          <a:stretch>
+            <a:fillRect/>
+          </a:stretch>
+        </p:blipFill>
+        <p:spPr>
+          <a:xfrm>
+            <a:off x="1565237" y="3592112"/>
+            <a:ext cx="1805928" cy="1725801"/>
+          </a:xfrm>
+          <a:prstGeom prst="rect">
+            <a:avLst/>
+          </a:prstGeom>
+        </p:spPr>
+      </p:pic>
+      <p:pic>
+        <p:nvPicPr>
+          <p:cNvPr id="34" name="Picture 33">
+            <a:extLst>
+              <a:ext uri="{FF2B5EF4-FFF2-40B4-BE49-F238E27FC236}">
+                <a16:creationId xmlns:a16="http://schemas.microsoft.com/office/drawing/2014/main" id="{5CA77BE0-DBCC-1344-8003-2013F44AA387}"/>
+              </a:ext>
+            </a:extLst>
+          </p:cNvPr>
+          <p:cNvPicPr>
+            <a:picLocks noChangeAspect="1"/>
+          </p:cNvPicPr>
+          <p:nvPr/>
+        </p:nvPicPr>
+        <p:blipFill>
+          <a:blip r:embed="rId5">
+            <a:extLst>
+              <a:ext uri="{28A0092B-C50C-407E-A947-70E740481C1C}">
+                <a14:useLocalDpi xmlns:a14="http://schemas.microsoft.com/office/drawing/2010/main" val="0"/>
+              </a:ext>
+            </a:extLst>
+          </a:blip>
+          <a:stretch>
+            <a:fillRect/>
+          </a:stretch>
+        </p:blipFill>
+        <p:spPr>
+          <a:xfrm>
+            <a:off x="-41247" y="3596645"/>
+            <a:ext cx="1805928" cy="1725801"/>
           </a:xfrm>
           <a:prstGeom prst="rect">
             <a:avLst/>
@@ -3058,7 +3130,7 @@
           <p:nvPr/>
         </p:nvPicPr>
         <p:blipFill>
-          <a:blip r:embed="rId4">
+          <a:blip r:embed="rId6">
             <a:clrChange>
               <a:clrFrom>
                 <a:srgbClr val="000000">
@@ -3085,78 +3157,6 @@
           <a:xfrm>
             <a:off x="1462" y="0"/>
             <a:ext cx="2034613" cy="1609298"/>
-          </a:xfrm>
-          <a:prstGeom prst="rect">
-            <a:avLst/>
-          </a:prstGeom>
-        </p:spPr>
-      </p:pic>
-      <p:pic>
-        <p:nvPicPr>
-          <p:cNvPr id="22" name="Picture 21">
-            <a:extLst>
-              <a:ext uri="{FF2B5EF4-FFF2-40B4-BE49-F238E27FC236}">
-                <a16:creationId xmlns:a16="http://schemas.microsoft.com/office/drawing/2014/main" id="{53476387-0D46-394B-9AF3-AA73F7506770}"/>
-              </a:ext>
-            </a:extLst>
-          </p:cNvPr>
-          <p:cNvPicPr>
-            <a:picLocks noChangeAspect="1"/>
-          </p:cNvPicPr>
-          <p:nvPr/>
-        </p:nvPicPr>
-        <p:blipFill>
-          <a:blip r:embed="rId5">
-            <a:extLst>
-              <a:ext uri="{28A0092B-C50C-407E-A947-70E740481C1C}">
-                <a14:useLocalDpi xmlns:a14="http://schemas.microsoft.com/office/drawing/2010/main" val="0"/>
-              </a:ext>
-            </a:extLst>
-          </a:blip>
-          <a:stretch>
-            <a:fillRect/>
-          </a:stretch>
-        </p:blipFill>
-        <p:spPr>
-          <a:xfrm>
-            <a:off x="1563722" y="3560857"/>
-            <a:ext cx="1839685" cy="1758061"/>
-          </a:xfrm>
-          <a:prstGeom prst="rect">
-            <a:avLst/>
-          </a:prstGeom>
-        </p:spPr>
-      </p:pic>
-      <p:pic>
-        <p:nvPicPr>
-          <p:cNvPr id="24" name="Picture 23">
-            <a:extLst>
-              <a:ext uri="{FF2B5EF4-FFF2-40B4-BE49-F238E27FC236}">
-                <a16:creationId xmlns:a16="http://schemas.microsoft.com/office/drawing/2014/main" id="{4F1D5AA1-A30D-FD40-853D-5C54258C8077}"/>
-              </a:ext>
-            </a:extLst>
-          </p:cNvPr>
-          <p:cNvPicPr>
-            <a:picLocks noChangeAspect="1"/>
-          </p:cNvPicPr>
-          <p:nvPr/>
-        </p:nvPicPr>
-        <p:blipFill>
-          <a:blip r:embed="rId6">
-            <a:extLst>
-              <a:ext uri="{28A0092B-C50C-407E-A947-70E740481C1C}">
-                <a14:useLocalDpi xmlns:a14="http://schemas.microsoft.com/office/drawing/2010/main" val="0"/>
-              </a:ext>
-            </a:extLst>
-          </a:blip>
-          <a:stretch>
-            <a:fillRect/>
-          </a:stretch>
-        </p:blipFill>
-        <p:spPr>
-          <a:xfrm>
-            <a:off x="-32267" y="3555155"/>
-            <a:ext cx="1839685" cy="1758061"/>
           </a:xfrm>
           <a:prstGeom prst="rect">
             <a:avLst/>
@@ -3453,7 +3453,7 @@
             </a:r>
             <a:r>
               <a:rPr lang="de-DE" sz="1600" baseline="-25000" dirty="0" err="1"/>
-              <a:t>xz</a:t>
+              <a:t>zx</a:t>
             </a:r>
             <a:endParaRPr lang="de-DE" sz="1600" baseline="-25000" dirty="0"/>
           </a:p>
@@ -3493,7 +3493,7 @@
             </a:r>
             <a:r>
               <a:rPr lang="de-DE" sz="1600" baseline="-25000" dirty="0" err="1"/>
-              <a:t>zx</a:t>
+              <a:t>xz</a:t>
             </a:r>
             <a:endParaRPr lang="de-DE" sz="1600" baseline="-25000" dirty="0"/>
           </a:p>

--- a/figs/Fig_Results_DoubleWell.pptx
+++ b/figs/Fig_Results_DoubleWell.pptx
@@ -243,7 +243,7 @@
           <a:p>
             <a:fld id="{2DF69B4B-5AE9-AC4D-9EFA-9FD7F0F1516D}" type="datetimeFigureOut">
               <a:rPr lang="de-DE" smtClean="0"/>
-              <a:t>13.11.18</a:t>
+              <a:t>15.11.18</a:t>
             </a:fld>
             <a:endParaRPr lang="de-DE"/>
           </a:p>
@@ -413,7 +413,7 @@
           <a:p>
             <a:fld id="{2DF69B4B-5AE9-AC4D-9EFA-9FD7F0F1516D}" type="datetimeFigureOut">
               <a:rPr lang="de-DE" smtClean="0"/>
-              <a:t>13.11.18</a:t>
+              <a:t>15.11.18</a:t>
             </a:fld>
             <a:endParaRPr lang="de-DE"/>
           </a:p>
@@ -593,7 +593,7 @@
           <a:p>
             <a:fld id="{2DF69B4B-5AE9-AC4D-9EFA-9FD7F0F1516D}" type="datetimeFigureOut">
               <a:rPr lang="de-DE" smtClean="0"/>
-              <a:t>13.11.18</a:t>
+              <a:t>15.11.18</a:t>
             </a:fld>
             <a:endParaRPr lang="de-DE"/>
           </a:p>
@@ -763,7 +763,7 @@
           <a:p>
             <a:fld id="{2DF69B4B-5AE9-AC4D-9EFA-9FD7F0F1516D}" type="datetimeFigureOut">
               <a:rPr lang="de-DE" smtClean="0"/>
-              <a:t>13.11.18</a:t>
+              <a:t>15.11.18</a:t>
             </a:fld>
             <a:endParaRPr lang="de-DE"/>
           </a:p>
@@ -1007,7 +1007,7 @@
           <a:p>
             <a:fld id="{2DF69B4B-5AE9-AC4D-9EFA-9FD7F0F1516D}" type="datetimeFigureOut">
               <a:rPr lang="de-DE" smtClean="0"/>
-              <a:t>13.11.18</a:t>
+              <a:t>15.11.18</a:t>
             </a:fld>
             <a:endParaRPr lang="de-DE"/>
           </a:p>
@@ -1239,7 +1239,7 @@
           <a:p>
             <a:fld id="{2DF69B4B-5AE9-AC4D-9EFA-9FD7F0F1516D}" type="datetimeFigureOut">
               <a:rPr lang="de-DE" smtClean="0"/>
-              <a:t>13.11.18</a:t>
+              <a:t>15.11.18</a:t>
             </a:fld>
             <a:endParaRPr lang="de-DE"/>
           </a:p>
@@ -1606,7 +1606,7 @@
           <a:p>
             <a:fld id="{2DF69B4B-5AE9-AC4D-9EFA-9FD7F0F1516D}" type="datetimeFigureOut">
               <a:rPr lang="de-DE" smtClean="0"/>
-              <a:t>13.11.18</a:t>
+              <a:t>15.11.18</a:t>
             </a:fld>
             <a:endParaRPr lang="de-DE"/>
           </a:p>
@@ -1724,7 +1724,7 @@
           <a:p>
             <a:fld id="{2DF69B4B-5AE9-AC4D-9EFA-9FD7F0F1516D}" type="datetimeFigureOut">
               <a:rPr lang="de-DE" smtClean="0"/>
-              <a:t>13.11.18</a:t>
+              <a:t>15.11.18</a:t>
             </a:fld>
             <a:endParaRPr lang="de-DE"/>
           </a:p>
@@ -1819,7 +1819,7 @@
           <a:p>
             <a:fld id="{2DF69B4B-5AE9-AC4D-9EFA-9FD7F0F1516D}" type="datetimeFigureOut">
               <a:rPr lang="de-DE" smtClean="0"/>
-              <a:t>13.11.18</a:t>
+              <a:t>15.11.18</a:t>
             </a:fld>
             <a:endParaRPr lang="de-DE"/>
           </a:p>
@@ -2096,7 +2096,7 @@
           <a:p>
             <a:fld id="{2DF69B4B-5AE9-AC4D-9EFA-9FD7F0F1516D}" type="datetimeFigureOut">
               <a:rPr lang="de-DE" smtClean="0"/>
-              <a:t>13.11.18</a:t>
+              <a:t>15.11.18</a:t>
             </a:fld>
             <a:endParaRPr lang="de-DE"/>
           </a:p>
@@ -2353,7 +2353,7 @@
           <a:p>
             <a:fld id="{2DF69B4B-5AE9-AC4D-9EFA-9FD7F0F1516D}" type="datetimeFigureOut">
               <a:rPr lang="de-DE" smtClean="0"/>
-              <a:t>13.11.18</a:t>
+              <a:t>15.11.18</a:t>
             </a:fld>
             <a:endParaRPr lang="de-DE"/>
           </a:p>
@@ -2566,7 +2566,7 @@
           <a:p>
             <a:fld id="{2DF69B4B-5AE9-AC4D-9EFA-9FD7F0F1516D}" type="datetimeFigureOut">
               <a:rPr lang="de-DE" smtClean="0"/>
-              <a:t>13.11.18</a:t>
+              <a:t>15.11.18</a:t>
             </a:fld>
             <a:endParaRPr lang="de-DE"/>
           </a:p>
@@ -2973,10 +2973,10 @@
       </p:grpSpPr>
       <p:pic>
         <p:nvPicPr>
-          <p:cNvPr id="39" name="Picture 38">
+          <p:cNvPr id="41" name="Picture 40">
             <a:extLst>
               <a:ext uri="{FF2B5EF4-FFF2-40B4-BE49-F238E27FC236}">
-                <a16:creationId xmlns:a16="http://schemas.microsoft.com/office/drawing/2014/main" id="{825D4078-31F9-1D4A-99EB-D0BDB2F8F08F}"/>
+                <a16:creationId xmlns:a16="http://schemas.microsoft.com/office/drawing/2014/main" id="{4A65965E-F626-5043-B2F8-ED9F403532D9}"/>
               </a:ext>
             </a:extLst>
           </p:cNvPr>
@@ -2999,8 +2999,8 @@
         </p:blipFill>
         <p:spPr>
           <a:xfrm>
-            <a:off x="3377656" y="1606449"/>
-            <a:ext cx="1865027" cy="1716321"/>
+            <a:off x="3384138" y="1592294"/>
+            <a:ext cx="1865905" cy="1717128"/>
           </a:xfrm>
           <a:prstGeom prst="rect">
             <a:avLst/>
@@ -3009,10 +3009,10 @@
       </p:pic>
       <p:pic>
         <p:nvPicPr>
-          <p:cNvPr id="40" name="Picture 39">
+          <p:cNvPr id="42" name="Picture 41">
             <a:extLst>
               <a:ext uri="{FF2B5EF4-FFF2-40B4-BE49-F238E27FC236}">
-                <a16:creationId xmlns:a16="http://schemas.microsoft.com/office/drawing/2014/main" id="{94716245-30F3-524B-8922-01F9C4D63C19}"/>
+                <a16:creationId xmlns:a16="http://schemas.microsoft.com/office/drawing/2014/main" id="{E30E6E73-2E6C-B147-892F-DFEE4F3EFD26}"/>
               </a:ext>
             </a:extLst>
           </p:cNvPr>
@@ -3035,8 +3035,8 @@
         </p:blipFill>
         <p:spPr>
           <a:xfrm>
-            <a:off x="3377656" y="3601592"/>
-            <a:ext cx="1865027" cy="1716321"/>
+            <a:off x="3376079" y="3605961"/>
+            <a:ext cx="1865905" cy="1717128"/>
           </a:xfrm>
           <a:prstGeom prst="rect">
             <a:avLst/>
@@ -3045,10 +3045,10 @@
       </p:pic>
       <p:pic>
         <p:nvPicPr>
-          <p:cNvPr id="33" name="Picture 32">
+          <p:cNvPr id="37" name="Picture 36">
             <a:extLst>
               <a:ext uri="{FF2B5EF4-FFF2-40B4-BE49-F238E27FC236}">
-                <a16:creationId xmlns:a16="http://schemas.microsoft.com/office/drawing/2014/main" id="{9BD787C7-0360-1C40-A4E6-65E58C08F2C7}"/>
+                <a16:creationId xmlns:a16="http://schemas.microsoft.com/office/drawing/2014/main" id="{545DF83E-0779-0B44-9C11-7AA12F62ED93}"/>
               </a:ext>
             </a:extLst>
           </p:cNvPr>
@@ -3071,8 +3071,8 @@
         </p:blipFill>
         <p:spPr>
           <a:xfrm>
-            <a:off x="1565237" y="3592112"/>
-            <a:ext cx="1805928" cy="1725801"/>
+            <a:off x="1584815" y="3598568"/>
+            <a:ext cx="1791264" cy="1711788"/>
           </a:xfrm>
           <a:prstGeom prst="rect">
             <a:avLst/>
@@ -3081,10 +3081,10 @@
       </p:pic>
       <p:pic>
         <p:nvPicPr>
-          <p:cNvPr id="34" name="Picture 33">
+          <p:cNvPr id="38" name="Picture 37">
             <a:extLst>
               <a:ext uri="{FF2B5EF4-FFF2-40B4-BE49-F238E27FC236}">
-                <a16:creationId xmlns:a16="http://schemas.microsoft.com/office/drawing/2014/main" id="{5CA77BE0-DBCC-1344-8003-2013F44AA387}"/>
+                <a16:creationId xmlns:a16="http://schemas.microsoft.com/office/drawing/2014/main" id="{7CA0B7F5-6F17-D142-B2DD-338F96404F5B}"/>
               </a:ext>
             </a:extLst>
           </p:cNvPr>
@@ -3107,8 +3107,8 @@
         </p:blipFill>
         <p:spPr>
           <a:xfrm>
-            <a:off x="-41247" y="3596645"/>
-            <a:ext cx="1805928" cy="1725801"/>
+            <a:off x="-17802" y="3594035"/>
+            <a:ext cx="1791264" cy="1711788"/>
           </a:xfrm>
           <a:prstGeom prst="rect">
             <a:avLst/>
@@ -3793,7 +3793,7 @@
         </p:nvSpPr>
         <p:spPr>
           <a:xfrm>
-            <a:off x="327390" y="4771709"/>
+            <a:off x="327390" y="4794380"/>
             <a:ext cx="1401346" cy="246221"/>
           </a:xfrm>
           <a:prstGeom prst="rect">
@@ -3833,7 +3833,7 @@
         </p:nvSpPr>
         <p:spPr>
           <a:xfrm>
-            <a:off x="2194514" y="4771709"/>
+            <a:off x="2035817" y="4794380"/>
             <a:ext cx="1160895" cy="246221"/>
           </a:xfrm>
           <a:prstGeom prst="rect">
